--- a/Docs/dev_board_scope_presentation.pptx
+++ b/Docs/dev_board_scope_presentation.pptx
@@ -113,6 +113,11 @@
       </a:defRPr>
     </a:lvl9pPr>
   </p:defaultTextStyle>
+  <p:extLst>
+    <p:ext uri="{EFAFB233-063F-42B5-8137-9DF3F51BA10A}">
+      <p15:sldGuideLst xmlns:p15="http://schemas.microsoft.com/office/powerpoint/2012/main"/>
+    </p:ext>
+  </p:extLst>
 </p:presentation>
 </file>
 
@@ -7193,7 +7198,7 @@
         <p:spPr>
           <a:xfrm>
             <a:off x="1107190" y="2290620"/>
-            <a:ext cx="9975538" cy="954107"/>
+            <a:ext cx="9975538" cy="1384995"/>
           </a:xfrm>
           <a:prstGeom prst="rect">
             <a:avLst/>
@@ -7213,7 +7218,7 @@
           <a:p>
             <a:r>
               <a:rPr lang="en-US" sz="2800" b="1" i="1" dirty="0"/>
-              <a:t>Design and build a low-cost, microcontroller-based development board platform tailored specifically for engineering workflows.</a:t>
+              <a:t>Design and build a low-cost, microcontroller-based development board and platform tailored specifically for engineering workflows.</a:t>
             </a:r>
           </a:p>
         </p:txBody>
@@ -8489,7 +8494,7 @@
         </p:spPr>
         <p:txBody>
           <a:bodyPr anchor="ctr">
-            <a:normAutofit/>
+            <a:normAutofit lnSpcReduction="10000"/>
           </a:bodyPr>
           <a:lstStyle/>
           <a:p>
@@ -8593,6 +8598,16 @@
                 </a:solidFill>
               </a:rPr>
               <a:t>Antenna</a:t>
+            </a:r>
+          </a:p>
+          <a:p>
+            <a:r>
+              <a:rPr lang="en-US" sz="1800" dirty="0">
+                <a:solidFill>
+                  <a:schemeClr val="tx2"/>
+                </a:solidFill>
+              </a:rPr>
+              <a:t>NAME!!!!!!!</a:t>
             </a:r>
           </a:p>
           <a:p>
